--- a/Day02Practical/day02-exercise.pptx
+++ b/Day02Practical/day02-exercise.pptx
@@ -12447,7 +12447,7 @@
           <a:p>
             <a:r>
               <a:rPr lang="en-US" dirty="0"/>
-              <a:t>You can name them after the number exday02A1</a:t>
+              <a:t>You can name them after the number exday02A1.py</a:t>
             </a:r>
           </a:p>
         </p:txBody>
@@ -12678,7 +12678,7 @@
                 </a14:m>
                 <a:r>
                   <a:rPr lang="en-US" sz="1800" dirty="0"/>
-                  <a:t> 𝐿, for different levels (Pareto optimization, epsilon constraint method)</a:t>
+                  <a:t> 𝐿, for different levels (Pareto optimization, epsilon constraint method) (scatter plot)</a:t>
                 </a:r>
               </a:p>
               <a:p>
@@ -13428,6 +13428,36 @@
           </a:extLst>
         </p:spPr>
       </p:pic>
+      <p:pic>
+        <p:nvPicPr>
+          <p:cNvPr id="21" name="Picture 20">
+            <a:extLst>
+              <a:ext uri="{FF2B5EF4-FFF2-40B4-BE49-F238E27FC236}">
+                <a16:creationId xmlns:a16="http://schemas.microsoft.com/office/drawing/2014/main" id="{7B650F21-7F22-4C97-A7C3-CE7E6E11DA40}"/>
+              </a:ext>
+            </a:extLst>
+          </p:cNvPr>
+          <p:cNvPicPr>
+            <a:picLocks noChangeAspect="1"/>
+          </p:cNvPicPr>
+          <p:nvPr/>
+        </p:nvPicPr>
+        <p:blipFill>
+          <a:blip r:embed="rId9"/>
+          <a:stretch>
+            <a:fillRect/>
+          </a:stretch>
+        </p:blipFill>
+        <p:spPr>
+          <a:xfrm>
+            <a:off x="4673859" y="4765380"/>
+            <a:ext cx="3705872" cy="1602083"/>
+          </a:xfrm>
+          <a:prstGeom prst="rect">
+            <a:avLst/>
+          </a:prstGeom>
+        </p:spPr>
+      </p:pic>
     </p:spTree>
     <p:extLst>
       <p:ext uri="{BB962C8B-B14F-4D97-AF65-F5344CB8AC3E}">
@@ -13938,7 +13968,7 @@
           </p:nvPr>
         </p:nvPicPr>
         <p:blipFill>
-          <a:blip r:embed="rId7">
+          <a:blip r:embed="rId6">
             <a:extLst>
               <a:ext uri="{28A0092B-C50C-407E-A947-70E740481C1C}">
                 <a14:useLocalDpi xmlns:a14="http://schemas.microsoft.com/office/drawing/2010/main" val="0"/>
@@ -14002,7 +14032,7 @@
           </p:nvPr>
         </p:nvPicPr>
         <p:blipFill>
-          <a:blip r:embed="rId8">
+          <a:blip r:embed="rId7">
             <a:extLst>
               <a:ext uri="{28A0092B-C50C-407E-A947-70E740481C1C}">
                 <a14:useLocalDpi xmlns:a14="http://schemas.microsoft.com/office/drawing/2010/main" val="0"/>
@@ -14018,70 +14048,6 @@
           <a:xfrm>
             <a:off x="6278563" y="5400675"/>
             <a:ext cx="228600" cy="244475"/>
-          </a:xfrm>
-          <a:prstGeom prst="rect">
-            <a:avLst/>
-          </a:prstGeom>
-          <a:noFill/>
-          <a:ln>
-            <a:noFill/>
-          </a:ln>
-          <a:extLst>
-            <a:ext uri="{909E8E84-426E-40DD-AFC4-6F175D3DCCD1}">
-              <a14:hiddenFill xmlns:a14="http://schemas.microsoft.com/office/drawing/2010/main">
-                <a:solidFill>
-                  <a:srgbClr val="FFFFFF"/>
-                </a:solidFill>
-              </a14:hiddenFill>
-            </a:ext>
-            <a:ext uri="{91240B29-F687-4F45-9708-019B960494DF}">
-              <a14:hiddenLine xmlns:a14="http://schemas.microsoft.com/office/drawing/2010/main" w="9525">
-                <a:solidFill>
-                  <a:srgbClr val="000000"/>
-                </a:solidFill>
-                <a:miter lim="800000"/>
-                <a:headEnd/>
-                <a:tailEnd/>
-              </a14:hiddenLine>
-            </a:ext>
-          </a:extLst>
-        </p:spPr>
-      </p:pic>
-      <p:pic>
-        <p:nvPicPr>
-          <p:cNvPr id="35853" name="Picture 33" descr="txp_fig">
-            <a:extLst>
-              <a:ext uri="{FF2B5EF4-FFF2-40B4-BE49-F238E27FC236}">
-                <a16:creationId xmlns:a16="http://schemas.microsoft.com/office/drawing/2014/main" id="{8A37AE18-C0F4-46C8-BDFF-09A2D5CAEB0C}"/>
-              </a:ext>
-            </a:extLst>
-          </p:cNvPr>
-          <p:cNvPicPr>
-            <a:picLocks noChangeAspect="1" noChangeArrowheads="1"/>
-          </p:cNvPicPr>
-          <p:nvPr>
-            <p:custDataLst>
-              <p:tags r:id="rId3"/>
-            </p:custDataLst>
-          </p:nvPr>
-        </p:nvPicPr>
-        <p:blipFill>
-          <a:blip r:embed="rId9">
-            <a:extLst>
-              <a:ext uri="{28A0092B-C50C-407E-A947-70E740481C1C}">
-                <a14:useLocalDpi xmlns:a14="http://schemas.microsoft.com/office/drawing/2010/main" val="0"/>
-              </a:ext>
-            </a:extLst>
-          </a:blip>
-          <a:srcRect/>
-          <a:stretch>
-            <a:fillRect/>
-          </a:stretch>
-        </p:blipFill>
-        <p:spPr bwMode="auto">
-          <a:xfrm>
-            <a:off x="1825625" y="1339850"/>
-            <a:ext cx="4953000" cy="274638"/>
           </a:xfrm>
           <a:prstGeom prst="rect">
             <a:avLst/>
@@ -14172,12 +14138,12 @@
           </p:cNvPicPr>
           <p:nvPr>
             <p:custDataLst>
-              <p:tags r:id="rId4"/>
+              <p:tags r:id="rId3"/>
             </p:custDataLst>
           </p:nvPr>
         </p:nvPicPr>
         <p:blipFill>
-          <a:blip r:embed="rId10">
+          <a:blip r:embed="rId8">
             <a:extLst>
               <a:ext uri="{28A0092B-C50C-407E-A947-70E740481C1C}">
                 <a14:useLocalDpi xmlns:a14="http://schemas.microsoft.com/office/drawing/2010/main" val="0"/>
@@ -14236,12 +14202,12 @@
           </p:cNvPicPr>
           <p:nvPr>
             <p:custDataLst>
-              <p:tags r:id="rId5"/>
+              <p:tags r:id="rId4"/>
             </p:custDataLst>
           </p:nvPr>
         </p:nvPicPr>
         <p:blipFill>
-          <a:blip r:embed="rId11">
+          <a:blip r:embed="rId9">
             <a:extLst>
               <a:ext uri="{28A0092B-C50C-407E-A947-70E740481C1C}">
                 <a14:useLocalDpi xmlns:a14="http://schemas.microsoft.com/office/drawing/2010/main" val="0"/>
@@ -14286,6 +14252,60 @@
           </a:extLst>
         </p:spPr>
       </p:pic>
+      <p:sp>
+        <p:nvSpPr>
+          <p:cNvPr id="2" name="TextBox 1">
+            <a:extLst>
+              <a:ext uri="{FF2B5EF4-FFF2-40B4-BE49-F238E27FC236}">
+                <a16:creationId xmlns:a16="http://schemas.microsoft.com/office/drawing/2014/main" id="{AFD78D3F-8443-4869-B946-71ACC361C836}"/>
+              </a:ext>
+            </a:extLst>
+          </p:cNvPr>
+          <p:cNvSpPr txBox="1"/>
+          <p:nvPr/>
+        </p:nvSpPr>
+        <p:spPr>
+          <a:xfrm>
+            <a:off x="2112963" y="1358770"/>
+            <a:ext cx="4616970" cy="307777"/>
+          </a:xfrm>
+          <a:prstGeom prst="rect">
+            <a:avLst/>
+          </a:prstGeom>
+          <a:noFill/>
+        </p:spPr>
+        <p:txBody>
+          <a:bodyPr wrap="none" rtlCol="0">
+            <a:spAutoFit/>
+          </a:bodyPr>
+          <a:lstStyle/>
+          <a:p>
+            <a:r>
+              <a:rPr lang="en-US" dirty="0"/>
+              <a:t>f_2 </a:t>
+            </a:r>
+            <a:r>
+              <a:rPr lang="en-US" dirty="0">
+                <a:sym typeface="Wingdings" panose="05000000000000000000" pitchFamily="2" charset="2"/>
+              </a:rPr>
+              <a:t> min,    f_1 &lt;= \epsilon,   epsilon \in {e1,e2, ….</a:t>
+            </a:r>
+            <a:r>
+              <a:rPr lang="en-US" dirty="0" err="1">
+                <a:sym typeface="Wingdings" panose="05000000000000000000" pitchFamily="2" charset="2"/>
+              </a:rPr>
+              <a:t>en</a:t>
+            </a:r>
+            <a:r>
+              <a:rPr lang="en-US" dirty="0">
+                <a:sym typeface="Wingdings" panose="05000000000000000000" pitchFamily="2" charset="2"/>
+              </a:rPr>
+              <a:t>}</a:t>
+            </a:r>
+            <a:endParaRPr lang="en-US" dirty="0"/>
+          </a:p>
+        </p:txBody>
+      </p:sp>
     </p:spTree>
   </p:cSld>
   <p:clrMapOvr>
@@ -16173,7 +16193,12 @@
             <p:ph sz="half" idx="1"/>
           </p:nvPr>
         </p:nvSpPr>
-        <p:spPr/>
+        <p:spPr>
+          <a:xfrm>
+            <a:off x="261868" y="1825625"/>
+            <a:ext cx="3867150" cy="4351338"/>
+          </a:xfrm>
+        </p:spPr>
         <p:txBody>
           <a:bodyPr/>
           <a:lstStyle/>
@@ -16231,8 +16256,8 @@
           </a:p>
         </p:txBody>
       </p:sp>
-      <mc:AlternateContent xmlns:mc="http://schemas.openxmlformats.org/markup-compatibility/2006" xmlns:a14="http://schemas.microsoft.com/office/drawing/2010/main">
-        <mc:Choice Requires="a14">
+      <mc:AlternateContent xmlns:mc="http://schemas.openxmlformats.org/markup-compatibility/2006">
+        <mc:Choice xmlns:a14="http://schemas.microsoft.com/office/drawing/2010/main" Requires="a14">
           <p:sp>
             <p:nvSpPr>
               <p:cNvPr id="4" name="Content Placeholder 3">
@@ -16473,6 +16498,69 @@
                 <a:pPr marL="0" indent="0">
                   <a:buNone/>
                 </a:pPr>
+                <a:r>
+                  <a:rPr lang="en-US" sz="1200" dirty="0">
+                    <a:highlight>
+                      <a:srgbClr val="FFFF00"/>
+                    </a:highlight>
+                  </a:rPr>
+                  <a:t>You can also add a constant C(x)&gt;</a:t>
+                </a:r>
+                <a:r>
+                  <a:rPr lang="en-US" sz="1200" dirty="0" err="1">
+                    <a:highlight>
+                      <a:srgbClr val="FFFF00"/>
+                    </a:highlight>
+                  </a:rPr>
+                  <a:t>f_max</a:t>
+                </a:r>
+                <a:r>
+                  <a:rPr lang="en-US" sz="1200" dirty="0">
+                    <a:highlight>
+                      <a:srgbClr val="FFFF00"/>
+                    </a:highlight>
+                  </a:rPr>
+                  <a:t> to the penalty</a:t>
+                </a:r>
+              </a:p>
+              <a:p>
+                <a:pPr marL="0" indent="0">
+                  <a:buNone/>
+                </a:pPr>
+                <a:r>
+                  <a:rPr lang="en-US" sz="1200">
+                    <a:highlight>
+                      <a:srgbClr val="FFFF00"/>
+                    </a:highlight>
+                  </a:rPr>
+                  <a:t>whenever </a:t>
+                </a:r>
+                <a:r>
+                  <a:rPr lang="en-US" sz="1200" dirty="0">
+                    <a:highlight>
+                      <a:srgbClr val="FFFF00"/>
+                    </a:highlight>
+                  </a:rPr>
+                  <a:t>constraint is violated to make </a:t>
+                </a:r>
+              </a:p>
+              <a:p>
+                <a:pPr marL="0" indent="0">
+                  <a:buNone/>
+                </a:pPr>
+                <a:r>
+                  <a:rPr lang="en-US" sz="1200" dirty="0">
+                    <a:highlight>
+                      <a:srgbClr val="FFFF00"/>
+                    </a:highlight>
+                  </a:rPr>
+                  <a:t>sure that it is  worse.</a:t>
+                </a:r>
+              </a:p>
+              <a:p>
+                <a:pPr marL="0" indent="0">
+                  <a:buNone/>
+                </a:pPr>
                 <a:endParaRPr lang="en-US" dirty="0"/>
               </a:p>
               <a:p>
@@ -16499,7 +16587,7 @@
             </p:txBody>
           </p:sp>
         </mc:Choice>
-        <mc:Fallback xmlns="">
+        <mc:Fallback>
           <p:sp>
             <p:nvSpPr>
               <p:cNvPr id="4" name="Content Placeholder 3">
@@ -16524,7 +16612,7 @@
               <a:blipFill>
                 <a:blip r:embed="rId2"/>
                 <a:stretch>
-                  <a:fillRect l="-1580" t="-560" b="-2801"/>
+                  <a:fillRect l="-1580" t="-560" b="-16246"/>
                 </a:stretch>
               </a:blipFill>
             </p:spPr>
@@ -16625,7 +16713,7 @@
         </p:blipFill>
         <p:spPr>
           <a:xfrm>
-            <a:off x="4189765" y="4331876"/>
+            <a:off x="4144967" y="4224406"/>
             <a:ext cx="4932040" cy="779769"/>
           </a:xfrm>
           <a:prstGeom prst="rect">
@@ -17572,28 +17660,6 @@
 </p:tagLst>
 </file>
 
-<file path=ppt/tags/tag10.xml><?xml version="1.0" encoding="utf-8"?>
-<p:tagLst xmlns:a="http://schemas.openxmlformats.org/drawingml/2006/main" xmlns:r="http://schemas.openxmlformats.org/officeDocument/2006/relationships" xmlns:p="http://schemas.openxmlformats.org/presentationml/2006/main">
-  <p:tag name="SOURCE" val="\documentclass{slides}\pagestyle{empty}&#10;\usepackage{amssymb}&#10;\usepackage{pstcol}&#10;\begin{document}&#10;\small &#10;$  f_2 \rightarrow \min$&#10;&#10;&#10;&#10;\end{document}&#10;"/>
-  <p:tag name="EXTERNALNAME" val="txp_fig"/>
-  <p:tag name="BLEND" val="Falsch"/>
-  <p:tag name="TRANSPARENT" val="Falsch"/>
-  <p:tag name="KEEPFILES" val="Falsch"/>
-  <p:tag name="DEBUGPAUSE" val="Falsch"/>
-  <p:tag name="RESOLUTION" val="1200"/>
-  <p:tag name="TIMEOUT" val="(none)"/>
-  <p:tag name="BOXWIDTH" val="348"/>
-  <p:tag name="BOXHEIGHT" val="200"/>
-  <p:tag name="BOXFONT" val="10"/>
-  <p:tag name="BOXWRAP" val="Falsch"/>
-  <p:tag name="WORKAROUNDTRANSPARENCYBUG" val="Falsch"/>
-  <p:tag name="ALLOWFONTSUBSTITUTION" val="Falsch"/>
-  <p:tag name="BITMAPFORMAT" val="png256"/>
-  <p:tag name="ORIGWIDTH" val="73"/>
-  <p:tag name="PICTUREFILESIZE" val="5049"/>
-</p:tagLst>
-</file>
-
 <file path=ppt/tags/tag2.xml><?xml version="1.0" encoding="utf-8"?>
 <p:tagLst xmlns:a="http://schemas.openxmlformats.org/drawingml/2006/main" xmlns:r="http://schemas.openxmlformats.org/officeDocument/2006/relationships" xmlns:p="http://schemas.openxmlformats.org/presentationml/2006/main">
   <p:tag name="SOURCE" val="\documentclass{slides}\pagestyle{empty}&#10;\usepackage{amssymb}&#10;\usepackage{pstcol}&#10;\begin{document}&#10;\small&#10;$f_2$&#10;\end{document}&#10;"/>
@@ -17640,28 +17706,6 @@
 
 <file path=ppt/tags/tag4.xml><?xml version="1.0" encoding="utf-8"?>
 <p:tagLst xmlns:a="http://schemas.openxmlformats.org/drawingml/2006/main" xmlns:r="http://schemas.openxmlformats.org/officeDocument/2006/relationships" xmlns:p="http://schemas.openxmlformats.org/presentationml/2006/main">
-  <p:tag name="SOURCE" val="\documentclass{slides}\pagestyle{empty}&#10;\usepackage{amssymb}&#10;\usepackage{pstcol}&#10;\begin{document}&#10;\small&#10;$f_m(\mathbf{x}) \rightarrow \min, \mbox{   s.t.} f_i({\bf x}) \leq \epsilon_i, i = 1, \dots, m$&#10;\end{document}&#10;"/>
-  <p:tag name="EXTERNALNAME" val="txp_fig"/>
-  <p:tag name="BLEND" val="Falsch"/>
-  <p:tag name="TRANSPARENT" val="Falsch"/>
-  <p:tag name="KEEPFILES" val="Falsch"/>
-  <p:tag name="DEBUGPAUSE" val="Falsch"/>
-  <p:tag name="RESOLUTION" val="1200"/>
-  <p:tag name="TIMEOUT" val="(none)"/>
-  <p:tag name="BOXWIDTH" val="348"/>
-  <p:tag name="BOXHEIGHT" val="200"/>
-  <p:tag name="BOXFONT" val="10"/>
-  <p:tag name="BOXWRAP" val="Falsch"/>
-  <p:tag name="WORKAROUNDTRANSPARENCYBUG" val="Falsch"/>
-  <p:tag name="ALLOWFONTSUBSTITUTION" val="Falsch"/>
-  <p:tag name="BITMAPFORMAT" val="png256"/>
-  <p:tag name="ORIGWIDTH" val="325"/>
-  <p:tag name="PICTUREFILESIZE" val="19935"/>
-</p:tagLst>
-</file>
-
-<file path=ppt/tags/tag5.xml><?xml version="1.0" encoding="utf-8"?>
-<p:tagLst xmlns:a="http://schemas.openxmlformats.org/drawingml/2006/main" xmlns:r="http://schemas.openxmlformats.org/officeDocument/2006/relationships" xmlns:p="http://schemas.openxmlformats.org/presentationml/2006/main">
   <p:tag name="SOURCE" val="\documentclass{slides}\pagestyle{empty}&#10;\usepackage{amssymb}&#10;\usepackage{pstcol}&#10;\begin{document}&#10;\small &#10;$  f_2 \rightarrow \min$&#10;&#10;&#10;&#10;\end{document}&#10;"/>
   <p:tag name="EXTERNALNAME" val="txp_fig"/>
   <p:tag name="BLEND" val="Falsch"/>
@@ -17682,7 +17726,7 @@
 </p:tagLst>
 </file>
 
-<file path=ppt/tags/tag6.xml><?xml version="1.0" encoding="utf-8"?>
+<file path=ppt/tags/tag5.xml><?xml version="1.0" encoding="utf-8"?>
 <p:tagLst xmlns:a="http://schemas.openxmlformats.org/drawingml/2006/main" xmlns:r="http://schemas.openxmlformats.org/officeDocument/2006/relationships" xmlns:p="http://schemas.openxmlformats.org/presentationml/2006/main">
   <p:tag name="SOURCE" val="\documentclass{slides}\pagestyle{empty}&#10;\usepackage{amssymb}&#10;\usepackage{pstcol}&#10;\begin{document}&#10;\small&#10;With the dimension the number of $\epsilon$ combinations grows exponentially.&#10;\end{document}&#10;"/>
   <p:tag name="EXTERNALNAME" val="txp_fig"/>
@@ -17704,7 +17748,7 @@
 </p:tagLst>
 </file>
 
-<file path=ppt/tags/tag7.xml><?xml version="1.0" encoding="utf-8"?>
+<file path=ppt/tags/tag6.xml><?xml version="1.0" encoding="utf-8"?>
 <p:tagLst xmlns:a="http://schemas.openxmlformats.org/drawingml/2006/main" xmlns:r="http://schemas.openxmlformats.org/officeDocument/2006/relationships" xmlns:p="http://schemas.openxmlformats.org/presentationml/2006/main">
   <p:tag name="SOURCE" val="\documentclass{slides}\pagestyle{empty}&#10;\usepackage{amssymb}&#10;\begin{document}&#10;\small&#10;%&#10;\newcommand{\xx}{\bf x}&#10;Path oriented (hill climbers) can be defined by a general iterative formula:&#10;%&#10;$$\xx_{t+1} = \xx_t +  \sigma_t {\bf d}_t$$&#10;%&#10;\begin{description}&#10;\item $\xx_t$: Current search point&#10;\item $\sigma_t$: Step size&#10;\item ${\bf d}_t$: Current search direction&#10;\end{description}&#10;%&#10;Hill-climbers generates a sequence of points $\{{\bf x}_t\}_{t = 1, 2, \dots}$&#10;that gradually improve the value of the objective function.&#10;&#10;\end{document}&#10;&#10;&#10;"/>
   <p:tag name="EXTERNALNAME" val="txp_fig"/>
@@ -17726,7 +17770,7 @@
 </p:tagLst>
 </file>
 
-<file path=ppt/tags/tag8.xml><?xml version="1.0" encoding="utf-8"?>
+<file path=ppt/tags/tag7.xml><?xml version="1.0" encoding="utf-8"?>
 <p:tagLst xmlns:a="http://schemas.openxmlformats.org/drawingml/2006/main" xmlns:r="http://schemas.openxmlformats.org/officeDocument/2006/relationships" xmlns:p="http://schemas.openxmlformats.org/presentationml/2006/main">
   <p:tag name="SOURCE" val="\documentclass{slides}\pagestyle{empty}&#10;\usepackage{amssymb}&#10;\usepackage{pstcol}&#10;\begin{document}&#10;\small&#10;$f_2$&#10;\end{document}&#10;"/>
   <p:tag name="EXTERNALNAME" val="txp_fig"/>
@@ -17748,7 +17792,7 @@
 </p:tagLst>
 </file>
 
-<file path=ppt/tags/tag9.xml><?xml version="1.0" encoding="utf-8"?>
+<file path=ppt/tags/tag8.xml><?xml version="1.0" encoding="utf-8"?>
 <p:tagLst xmlns:a="http://schemas.openxmlformats.org/drawingml/2006/main" xmlns:r="http://schemas.openxmlformats.org/officeDocument/2006/relationships" xmlns:p="http://schemas.openxmlformats.org/presentationml/2006/main">
   <p:tag name="SOURCE" val="\documentclass{slides}\pagestyle{empty}&#10;\usepackage{amssymb}&#10;\usepackage{pstcol}&#10;\begin{document}&#10;\small&#10;$f_1$&#10;\end{document}&#10;"/>
   <p:tag name="EXTERNALNAME" val="txp_fig"/>
@@ -17767,6 +17811,28 @@
   <p:tag name="BITMAPFORMAT" val="png256"/>
   <p:tag name="ORIGWIDTH" val="15"/>
   <p:tag name="PICTUREFILESIZE" val="1908"/>
+</p:tagLst>
+</file>
+
+<file path=ppt/tags/tag9.xml><?xml version="1.0" encoding="utf-8"?>
+<p:tagLst xmlns:a="http://schemas.openxmlformats.org/drawingml/2006/main" xmlns:r="http://schemas.openxmlformats.org/officeDocument/2006/relationships" xmlns:p="http://schemas.openxmlformats.org/presentationml/2006/main">
+  <p:tag name="SOURCE" val="\documentclass{slides}\pagestyle{empty}&#10;\usepackage{amssymb}&#10;\usepackage{pstcol}&#10;\begin{document}&#10;\small &#10;$  f_2 \rightarrow \min$&#10;&#10;&#10;&#10;\end{document}&#10;"/>
+  <p:tag name="EXTERNALNAME" val="txp_fig"/>
+  <p:tag name="BLEND" val="Falsch"/>
+  <p:tag name="TRANSPARENT" val="Falsch"/>
+  <p:tag name="KEEPFILES" val="Falsch"/>
+  <p:tag name="DEBUGPAUSE" val="Falsch"/>
+  <p:tag name="RESOLUTION" val="1200"/>
+  <p:tag name="TIMEOUT" val="(none)"/>
+  <p:tag name="BOXWIDTH" val="348"/>
+  <p:tag name="BOXHEIGHT" val="200"/>
+  <p:tag name="BOXFONT" val="10"/>
+  <p:tag name="BOXWRAP" val="Falsch"/>
+  <p:tag name="WORKAROUNDTRANSPARENCYBUG" val="Falsch"/>
+  <p:tag name="ALLOWFONTSUBSTITUTION" val="Falsch"/>
+  <p:tag name="BITMAPFORMAT" val="png256"/>
+  <p:tag name="ORIGWIDTH" val="73"/>
+  <p:tag name="PICTUREFILESIZE" val="5049"/>
 </p:tagLst>
 </file>
 
